--- a/docs/images/vpc-traffic-mirroring-architecture-diagram.pptx
+++ b/docs/images/vpc-traffic-mirroring-architecture-diagram.pptx
@@ -223,7 +223,7 @@
           <a:p>
             <a:fld id="{49A7721D-1176-A640-AC48-B82F78C92D56}" type="datetimeFigureOut">
               <a:rPr lang="en-US" smtClean="0"/>
-              <a:t>8/27/2021</a:t>
+              <a:t>9/3/2021</a:t>
             </a:fld>
             <a:endParaRPr lang="en-US" dirty="0"/>
           </a:p>
@@ -400,7 +400,7 @@
           <a:p>
             <a:fld id="{C884A089-FB25-6D46-9D21-F0F04A18BCA8}" type="datetimeFigureOut">
               <a:rPr lang="en-US" smtClean="0"/>
-              <a:t>8/27/2021</a:t>
+              <a:t>9/3/2021</a:t>
             </a:fld>
             <a:endParaRPr lang="en-US" dirty="0"/>
           </a:p>
@@ -1086,6 +1086,93 @@
       </p:grpSpPr>
       <p:sp>
         <p:nvSpPr>
+          <p:cNvPr id="93" name="Rectangle 92">
+            <a:extLst>
+              <a:ext uri="{FF2B5EF4-FFF2-40B4-BE49-F238E27FC236}">
+                <a16:creationId xmlns:a16="http://schemas.microsoft.com/office/drawing/2014/main" id="{6CA34C60-F228-5441-A920-DF94CCB804FA}"/>
+              </a:ext>
+            </a:extLst>
+          </p:cNvPr>
+          <p:cNvSpPr/>
+          <p:nvPr/>
+        </p:nvSpPr>
+        <p:spPr>
+          <a:xfrm>
+            <a:off x="2611792" y="1896951"/>
+            <a:ext cx="4442344" cy="984805"/>
+          </a:xfrm>
+          <a:prstGeom prst="rect">
+            <a:avLst/>
+          </a:prstGeom>
+          <a:noFill/>
+          <a:ln w="12700">
+            <a:solidFill>
+              <a:srgbClr val="D86613"/>
+            </a:solidFill>
+            <a:prstDash val="dash"/>
+          </a:ln>
+        </p:spPr>
+        <p:style>
+          <a:lnRef idx="2">
+            <a:schemeClr val="accent1">
+              <a:shade val="50000"/>
+            </a:schemeClr>
+          </a:lnRef>
+          <a:fillRef idx="1">
+            <a:schemeClr val="accent1"/>
+          </a:fillRef>
+          <a:effectRef idx="0">
+            <a:schemeClr val="accent1"/>
+          </a:effectRef>
+          <a:fontRef idx="minor">
+            <a:schemeClr val="lt1"/>
+          </a:fontRef>
+        </p:style>
+        <p:txBody>
+          <a:bodyPr rot="0" spcFirstLastPara="0" vertOverflow="overflow" horzOverflow="overflow" vert="horz" wrap="square" lIns="91440" tIns="91440" rIns="91440" bIns="45720" numCol="1" spcCol="0" rtlCol="0" fromWordArt="0" anchor="t" anchorCtr="0" forceAA="0" compatLnSpc="1">
+            <a:prstTxWarp prst="textNoShape">
+              <a:avLst/>
+            </a:prstTxWarp>
+            <a:noAutofit/>
+          </a:bodyPr>
+          <a:lstStyle/>
+          <a:p>
+            <a:pPr algn="ctr"/>
+            <a:endParaRPr lang="en-US" sz="1200" dirty="0">
+              <a:solidFill>
+                <a:srgbClr val="D86613"/>
+              </a:solidFill>
+            </a:endParaRPr>
+          </a:p>
+          <a:p>
+            <a:pPr algn="ctr"/>
+            <a:endParaRPr lang="en-US" sz="1200" dirty="0">
+              <a:solidFill>
+                <a:srgbClr val="D86613"/>
+              </a:solidFill>
+            </a:endParaRPr>
+          </a:p>
+          <a:p>
+            <a:pPr algn="ctr">
+              <a:tabLst>
+                <a:tab pos="3475038" algn="l"/>
+              </a:tabLst>
+            </a:pPr>
+            <a:r>
+              <a:rPr lang="en-US" sz="1200" dirty="0">
+                <a:solidFill>
+                  <a:srgbClr val="D86613"/>
+                </a:solidFill>
+                <a:latin typeface="Arial" panose="020B0604020202020204" pitchFamily="34" charset="0"/>
+                <a:cs typeface="Arial" panose="020B0604020202020204" pitchFamily="34" charset="0"/>
+              </a:rPr>
+              <a:t>Auto Scaling group</a:t>
+            </a:r>
+          </a:p>
+        </p:txBody>
+      </p:sp>
+      <p:sp>
+        <p:nvSpPr>
           <p:cNvPr id="53" name="Rectangle 52">
             <a:extLst>
               <a:ext uri="{FF2B5EF4-FFF2-40B4-BE49-F238E27FC236}">
@@ -1320,8 +1407,8 @@
         </p:nvSpPr>
         <p:spPr>
           <a:xfrm>
-            <a:off x="898444" y="1142725"/>
-            <a:ext cx="7741839" cy="3804030"/>
+            <a:off x="898444" y="1142724"/>
+            <a:ext cx="7741839" cy="3929789"/>
           </a:xfrm>
           <a:prstGeom prst="rect">
             <a:avLst/>
@@ -1388,7 +1475,7 @@
         <p:spPr>
           <a:xfrm>
             <a:off x="1444616" y="3302166"/>
-            <a:ext cx="2470969" cy="1520867"/>
+            <a:ext cx="2470969" cy="1645219"/>
           </a:xfrm>
           <a:prstGeom prst="rect">
             <a:avLst/>
@@ -1457,7 +1544,7 @@
         <p:spPr>
           <a:xfrm>
             <a:off x="706503" y="341190"/>
-            <a:ext cx="8115379" cy="4905368"/>
+            <a:ext cx="8115379" cy="4971956"/>
           </a:xfrm>
           <a:prstGeom prst="rect">
             <a:avLst/>
@@ -1522,8 +1609,8 @@
         </p:nvSpPr>
         <p:spPr>
           <a:xfrm>
-            <a:off x="1300213" y="788789"/>
-            <a:ext cx="2782099" cy="4300372"/>
+            <a:off x="1300214" y="788789"/>
+            <a:ext cx="2721594" cy="4418478"/>
           </a:xfrm>
           <a:prstGeom prst="rect">
             <a:avLst/>
@@ -1593,7 +1680,7 @@
           <a:blip r:embed="rId4">
             <a:extLst>
               <a:ext uri="{96DAC541-7B7A-43D3-8B79-37D633B846F1}">
-                <asvg:svgBlip xmlns:asvg="http://schemas.microsoft.com/office/drawing/2016/SVG/main" xmlns="" r:embed="rId5"/>
+                <asvg:svgBlip xmlns="" xmlns:asvg="http://schemas.microsoft.com/office/drawing/2016/SVG/main" r:embed="rId5"/>
               </a:ext>
             </a:extLst>
           </a:blip>
@@ -1629,7 +1716,7 @@
           <a:blip r:embed="rId6">
             <a:extLst>
               <a:ext uri="{96DAC541-7B7A-43D3-8B79-37D633B846F1}">
-                <asvg:svgBlip xmlns:asvg="http://schemas.microsoft.com/office/drawing/2016/SVG/main" xmlns="" r:embed="rId7"/>
+                <asvg:svgBlip xmlns="" xmlns:asvg="http://schemas.microsoft.com/office/drawing/2016/SVG/main" r:embed="rId7"/>
               </a:ext>
             </a:extLst>
           </a:blip>
@@ -1665,7 +1752,7 @@
           <a:blip r:embed="rId8">
             <a:extLst>
               <a:ext uri="{96DAC541-7B7A-43D3-8B79-37D633B846F1}">
-                <asvg:svgBlip xmlns:asvg="http://schemas.microsoft.com/office/drawing/2016/SVG/main" xmlns="" r:embed="rId9"/>
+                <asvg:svgBlip xmlns="" xmlns:asvg="http://schemas.microsoft.com/office/drawing/2016/SVG/main" r:embed="rId9"/>
               </a:ext>
             </a:extLst>
           </a:blip>
@@ -1701,7 +1788,7 @@
           <a:blip r:embed="rId10">
             <a:extLst>
               <a:ext uri="{96DAC541-7B7A-43D3-8B79-37D633B846F1}">
-                <asvg:svgBlip xmlns:asvg="http://schemas.microsoft.com/office/drawing/2016/SVG/main" xmlns="" r:embed="rId11"/>
+                <asvg:svgBlip xmlns="" xmlns:asvg="http://schemas.microsoft.com/office/drawing/2016/SVG/main" r:embed="rId11"/>
               </a:ext>
             </a:extLst>
           </a:blip>
@@ -1737,7 +1824,7 @@
           <a:blip r:embed="rId12">
             <a:extLst>
               <a:ext uri="{96DAC541-7B7A-43D3-8B79-37D633B846F1}">
-                <asvg:svgBlip xmlns:asvg="http://schemas.microsoft.com/office/drawing/2016/SVG/main" xmlns="" r:embed="rId13"/>
+                <asvg:svgBlip xmlns="" xmlns:asvg="http://schemas.microsoft.com/office/drawing/2016/SVG/main" r:embed="rId13"/>
               </a:ext>
             </a:extLst>
           </a:blip>
@@ -1812,7 +1899,7 @@
           <a:blip r:embed="rId14">
             <a:extLst>
               <a:ext uri="{96DAC541-7B7A-43D3-8B79-37D633B846F1}">
-                <asvg:svgBlip xmlns:asvg="http://schemas.microsoft.com/office/drawing/2016/SVG/main" xmlns="" r:embed="rId15"/>
+                <asvg:svgBlip xmlns="" xmlns:asvg="http://schemas.microsoft.com/office/drawing/2016/SVG/main" r:embed="rId15"/>
               </a:ext>
             </a:extLst>
           </a:blip>
@@ -1848,7 +1935,7 @@
           <a:blip r:embed="rId16">
             <a:extLst>
               <a:ext uri="{96DAC541-7B7A-43D3-8B79-37D633B846F1}">
-                <asvg:svgBlip xmlns:asvg="http://schemas.microsoft.com/office/drawing/2016/SVG/main" xmlns="" r:embed="rId17"/>
+                <asvg:svgBlip xmlns="" xmlns:asvg="http://schemas.microsoft.com/office/drawing/2016/SVG/main" r:embed="rId17"/>
               </a:ext>
             </a:extLst>
           </a:blip>
@@ -1880,7 +1967,7 @@
         </p:nvSpPr>
         <p:spPr>
           <a:xfrm>
-            <a:off x="1867111" y="4253573"/>
+            <a:off x="1855139" y="4397163"/>
             <a:ext cx="1513305" cy="461665"/>
           </a:xfrm>
           <a:prstGeom prst="rect">
@@ -1896,12 +1983,15 @@
           <a:p>
             <a:pPr algn="ctr"/>
             <a:r>
-              <a:rPr lang="en-US" sz="1200" dirty="0">
+              <a:rPr lang="en-US" sz="1200" dirty="0" smtClean="0">
                 <a:latin typeface="Arial" panose="020B0604020202020204" pitchFamily="34" charset="0"/>
                 <a:cs typeface="Arial" panose="020B0604020202020204" pitchFamily="34" charset="0"/>
               </a:rPr>
-              <a:t>Traffic Mirroring </a:t>
+              <a:t>Suricata </a:t>
             </a:r>
+          </a:p>
+          <a:p>
+            <a:pPr algn="ctr"/>
             <a:r>
               <a:rPr lang="en-US" sz="1200" dirty="0" smtClean="0">
                 <a:latin typeface="Arial" panose="020B0604020202020204" pitchFamily="34" charset="0"/>
@@ -1969,8 +2059,8 @@
         </p:nvSpPr>
         <p:spPr>
           <a:xfrm>
-            <a:off x="4096841" y="4252709"/>
-            <a:ext cx="1335090" cy="461665"/>
+            <a:off x="4021807" y="3372968"/>
+            <a:ext cx="1574135" cy="461665"/>
           </a:xfrm>
           <a:prstGeom prst="rect">
             <a:avLst/>
@@ -2020,7 +2110,7 @@
         <p:spPr>
           <a:xfrm>
             <a:off x="5671319" y="3302166"/>
-            <a:ext cx="2470969" cy="1520867"/>
+            <a:ext cx="2470969" cy="1645219"/>
           </a:xfrm>
           <a:prstGeom prst="rect">
             <a:avLst/>
@@ -2089,7 +2179,7 @@
         <p:spPr>
           <a:xfrm>
             <a:off x="5529796" y="798579"/>
-            <a:ext cx="2769637" cy="4290582"/>
+            <a:ext cx="2769637" cy="4408688"/>
           </a:xfrm>
           <a:prstGeom prst="rect">
             <a:avLst/>
@@ -2159,7 +2249,7 @@
           <a:blip r:embed="rId10">
             <a:extLst>
               <a:ext uri="{96DAC541-7B7A-43D3-8B79-37D633B846F1}">
-                <asvg:svgBlip xmlns:asvg="http://schemas.microsoft.com/office/drawing/2016/SVG/main" xmlns="" r:embed="rId11"/>
+                <asvg:svgBlip xmlns="" xmlns:asvg="http://schemas.microsoft.com/office/drawing/2016/SVG/main" r:embed="rId11"/>
               </a:ext>
             </a:extLst>
           </a:blip>
@@ -2195,7 +2285,7 @@
           <a:blip r:embed="rId12">
             <a:extLst>
               <a:ext uri="{96DAC541-7B7A-43D3-8B79-37D633B846F1}">
-                <asvg:svgBlip xmlns:asvg="http://schemas.microsoft.com/office/drawing/2016/SVG/main" xmlns="" r:embed="rId13"/>
+                <asvg:svgBlip xmlns="" xmlns:asvg="http://schemas.microsoft.com/office/drawing/2016/SVG/main" r:embed="rId13"/>
               </a:ext>
             </a:extLst>
           </a:blip>
@@ -2270,7 +2360,7 @@
           <a:blip r:embed="rId14">
             <a:extLst>
               <a:ext uri="{96DAC541-7B7A-43D3-8B79-37D633B846F1}">
-                <asvg:svgBlip xmlns:asvg="http://schemas.microsoft.com/office/drawing/2016/SVG/main" xmlns="" r:embed="rId15"/>
+                <asvg:svgBlip xmlns="" xmlns:asvg="http://schemas.microsoft.com/office/drawing/2016/SVG/main" r:embed="rId15"/>
               </a:ext>
             </a:extLst>
           </a:blip>
@@ -2302,7 +2392,7 @@
         </p:nvSpPr>
         <p:spPr>
           <a:xfrm>
-            <a:off x="6171035" y="4252708"/>
+            <a:off x="6199901" y="4397162"/>
             <a:ext cx="1513305" cy="461665"/>
           </a:xfrm>
           <a:prstGeom prst="rect">
@@ -2318,12 +2408,15 @@
           <a:p>
             <a:pPr algn="ctr"/>
             <a:r>
-              <a:rPr lang="en-US" sz="1200" dirty="0">
+              <a:rPr lang="en-US" sz="1200" dirty="0" smtClean="0">
                 <a:latin typeface="Arial" panose="020B0604020202020204" pitchFamily="34" charset="0"/>
                 <a:cs typeface="Arial" panose="020B0604020202020204" pitchFamily="34" charset="0"/>
               </a:rPr>
-              <a:t>Traffic Mirroring </a:t>
+              <a:t>Suricata </a:t>
             </a:r>
+          </a:p>
+          <a:p>
+            <a:pPr algn="ctr"/>
             <a:r>
               <a:rPr lang="en-US" sz="1200" dirty="0" smtClean="0">
                 <a:latin typeface="Arial" panose="020B0604020202020204" pitchFamily="34" charset="0"/>
@@ -2338,99 +2431,141 @@
           </a:p>
         </p:txBody>
       </p:sp>
-      <p:cxnSp>
-        <p:nvCxnSpPr>
-          <p:cNvPr id="90" name="Straight Arrow Connector 89">
-            <a:extLst>
-              <a:ext uri="{FF2B5EF4-FFF2-40B4-BE49-F238E27FC236}">
-                <a16:creationId xmlns:a16="http://schemas.microsoft.com/office/drawing/2014/main" id="{9EA36EAB-59FC-A349-9D12-785D550553AB}"/>
-              </a:ext>
-            </a:extLst>
-          </p:cNvPr>
-          <p:cNvCxnSpPr>
-            <a:cxnSpLocks/>
-          </p:cNvCxnSpPr>
+      <p:pic>
+        <p:nvPicPr>
+          <p:cNvPr id="39" name="Graphic 24">
+            <a:extLst>
+              <a:ext uri="{FF2B5EF4-FFF2-40B4-BE49-F238E27FC236}">
+                <a16:creationId xmlns:a16="http://schemas.microsoft.com/office/drawing/2014/main" id="{F1D14D99-8F2C-1044-A8CD-72E2D82BBB33}"/>
+              </a:ext>
+            </a:extLst>
+          </p:cNvPr>
+          <p:cNvPicPr>
+            <a:picLocks noChangeAspect="1" noChangeArrowheads="1"/>
+          </p:cNvPicPr>
           <p:nvPr/>
-        </p:nvCxnSpPr>
-        <p:spPr>
-          <a:xfrm>
-            <a:off x="5107191" y="3980364"/>
-            <a:ext cx="1356004" cy="0"/>
-          </a:xfrm>
-          <a:prstGeom prst="straightConnector1">
-            <a:avLst/>
-          </a:prstGeom>
-          <a:ln w="12700">
-            <a:solidFill>
-              <a:srgbClr val="545B64"/>
-            </a:solidFill>
-            <a:headEnd type="none" w="med" len="sm"/>
-            <a:tailEnd type="arrow" w="med" len="sm"/>
+        </p:nvPicPr>
+        <p:blipFill>
+          <a:blip r:embed="rId18">
+            <a:extLst>
+              <a:ext uri="{28A0092B-C50C-407E-A947-70E740481C1C}">
+                <a14:useLocalDpi xmlns:a14="http://schemas.microsoft.com/office/drawing/2010/main" val="0"/>
+              </a:ext>
+            </a:extLst>
+          </a:blip>
+          <a:srcRect/>
+          <a:stretch>
+            <a:fillRect/>
+          </a:stretch>
+        </p:blipFill>
+        <p:spPr bwMode="auto">
+          <a:xfrm>
+            <a:off x="4580275" y="2915843"/>
+            <a:ext cx="457200" cy="457200"/>
+          </a:xfrm>
+          <a:prstGeom prst="rect">
+            <a:avLst/>
+          </a:prstGeom>
+          <a:noFill/>
+          <a:ln>
+            <a:noFill/>
           </a:ln>
-        </p:spPr>
-        <p:style>
-          <a:lnRef idx="1">
-            <a:schemeClr val="accent1"/>
-          </a:lnRef>
-          <a:fillRef idx="0">
-            <a:schemeClr val="accent1"/>
-          </a:fillRef>
-          <a:effectRef idx="0">
-            <a:schemeClr val="accent1"/>
-          </a:effectRef>
-          <a:fontRef idx="minor">
-            <a:schemeClr val="tx1"/>
-          </a:fontRef>
-        </p:style>
-      </p:cxnSp>
-      <p:cxnSp>
-        <p:nvCxnSpPr>
-          <p:cNvPr id="91" name="Straight Arrow Connector 90">
-            <a:extLst>
-              <a:ext uri="{FF2B5EF4-FFF2-40B4-BE49-F238E27FC236}">
-                <a16:creationId xmlns:a16="http://schemas.microsoft.com/office/drawing/2014/main" id="{17C62B33-5EE7-2B48-872F-DB9440F578D5}"/>
-              </a:ext>
-            </a:extLst>
-          </p:cNvPr>
-          <p:cNvCxnSpPr>
-            <a:cxnSpLocks/>
-          </p:cNvCxnSpPr>
+          <a:extLst>
+            <a:ext uri="{909E8E84-426E-40DD-AFC4-6F175D3DCCD1}">
+              <a14:hiddenFill xmlns:a14="http://schemas.microsoft.com/office/drawing/2010/main">
+                <a:solidFill>
+                  <a:srgbClr val="FFFFFF"/>
+                </a:solidFill>
+              </a14:hiddenFill>
+            </a:ext>
+            <a:ext uri="{91240B29-F687-4F45-9708-019B960494DF}">
+              <a14:hiddenLine xmlns:a14="http://schemas.microsoft.com/office/drawing/2010/main" w="9525">
+                <a:solidFill>
+                  <a:srgbClr val="000000"/>
+                </a:solidFill>
+                <a:miter lim="800000"/>
+                <a:headEnd/>
+                <a:tailEnd/>
+              </a14:hiddenLine>
+            </a:ext>
+          </a:extLst>
+        </p:spPr>
+      </p:pic>
+      <p:pic>
+        <p:nvPicPr>
+          <p:cNvPr id="40" name="Graphic 39">
+            <a:extLst>
+              <a:ext uri="{FF2B5EF4-FFF2-40B4-BE49-F238E27FC236}">
+                <a16:creationId xmlns:a16="http://schemas.microsoft.com/office/drawing/2014/main" id="{C99D481B-16EA-BD49-A586-957C7D1F14B5}"/>
+              </a:ext>
+            </a:extLst>
+          </p:cNvPr>
+          <p:cNvPicPr>
+            <a:picLocks noChangeAspect="1"/>
+          </p:cNvPicPr>
           <p:nvPr/>
-        </p:nvCxnSpPr>
-        <p:spPr>
-          <a:xfrm flipV="1">
-            <a:off x="3100881" y="4002032"/>
-            <a:ext cx="1337047" cy="0"/>
-          </a:xfrm>
-          <a:prstGeom prst="straightConnector1">
-            <a:avLst/>
-          </a:prstGeom>
-          <a:ln w="12700">
-            <a:solidFill>
-              <a:srgbClr val="545B64"/>
-            </a:solidFill>
-            <a:headEnd type="arrow" w="med" len="sm"/>
-            <a:tailEnd type="none" w="med" len="sm"/>
-          </a:ln>
-        </p:spPr>
-        <p:style>
-          <a:lnRef idx="1">
-            <a:schemeClr val="accent1"/>
-          </a:lnRef>
-          <a:fillRef idx="0">
-            <a:schemeClr val="accent1"/>
-          </a:fillRef>
-          <a:effectRef idx="0">
-            <a:schemeClr val="accent1"/>
-          </a:effectRef>
-          <a:fontRef idx="minor">
-            <a:schemeClr val="tx1"/>
-          </a:fontRef>
-        </p:style>
-      </p:cxnSp>
+        </p:nvPicPr>
+        <p:blipFill>
+          <a:blip r:embed="rId16">
+            <a:extLst>
+              <a:ext uri="{96DAC541-7B7A-43D3-8B79-37D633B846F1}">
+                <asvg:svgBlip xmlns="" xmlns:asvg="http://schemas.microsoft.com/office/drawing/2016/SVG/main" r:embed="rId17"/>
+              </a:ext>
+            </a:extLst>
+          </a:blip>
+          <a:stretch>
+            <a:fillRect/>
+          </a:stretch>
+        </p:blipFill>
+        <p:spPr>
+          <a:xfrm>
+            <a:off x="6721603" y="3926544"/>
+            <a:ext cx="469900" cy="469900"/>
+          </a:xfrm>
+          <a:prstGeom prst="rect">
+            <a:avLst/>
+          </a:prstGeom>
+        </p:spPr>
+      </p:pic>
+      <p:pic>
+        <p:nvPicPr>
+          <p:cNvPr id="42" name="Graphic 41">
+            <a:extLst>
+              <a:ext uri="{FF2B5EF4-FFF2-40B4-BE49-F238E27FC236}">
+                <a16:creationId xmlns:a16="http://schemas.microsoft.com/office/drawing/2014/main" id="{85A94B6C-E370-B944-83A2-E716515BCD56}"/>
+              </a:ext>
+            </a:extLst>
+          </p:cNvPr>
+          <p:cNvPicPr>
+            <a:picLocks noChangeAspect="1"/>
+          </p:cNvPicPr>
+          <p:nvPr/>
+        </p:nvPicPr>
+        <p:blipFill>
+          <a:blip r:embed="rId16">
+            <a:extLst>
+              <a:ext uri="{96DAC541-7B7A-43D3-8B79-37D633B846F1}">
+                <asvg:svgBlip xmlns="" xmlns:asvg="http://schemas.microsoft.com/office/drawing/2016/SVG/main" r:embed="rId17"/>
+              </a:ext>
+            </a:extLst>
+          </a:blip>
+          <a:stretch>
+            <a:fillRect/>
+          </a:stretch>
+        </p:blipFill>
+        <p:spPr>
+          <a:xfrm>
+            <a:off x="2376842" y="3932109"/>
+            <a:ext cx="469900" cy="469900"/>
+          </a:xfrm>
+          <a:prstGeom prst="rect">
+            <a:avLst/>
+          </a:prstGeom>
+        </p:spPr>
+      </p:pic>
       <p:sp>
         <p:nvSpPr>
-          <p:cNvPr id="93" name="Rectangle 92">
+          <p:cNvPr id="34" name="Rectangle 33">
             <a:extLst>
               <a:ext uri="{FF2B5EF4-FFF2-40B4-BE49-F238E27FC236}">
                 <a16:creationId xmlns:a16="http://schemas.microsoft.com/office/drawing/2014/main" id="{6CA34C60-F228-5441-A920-DF94CCB804FA}"/>
@@ -2442,8 +2577,8 @@
         </p:nvSpPr>
         <p:spPr>
           <a:xfrm>
-            <a:off x="2611792" y="1896951"/>
-            <a:ext cx="4442344" cy="1065526"/>
+            <a:off x="2187376" y="3842654"/>
+            <a:ext cx="5252951" cy="989228"/>
           </a:xfrm>
           <a:prstGeom prst="rect">
             <a:avLst/>
@@ -2517,70 +2652,10 @@
       </p:sp>
       <p:pic>
         <p:nvPicPr>
-          <p:cNvPr id="39" name="Graphic 24">
-            <a:extLst>
-              <a:ext uri="{FF2B5EF4-FFF2-40B4-BE49-F238E27FC236}">
-                <a16:creationId xmlns:a16="http://schemas.microsoft.com/office/drawing/2014/main" id="{F1D14D99-8F2C-1044-A8CD-72E2D82BBB33}"/>
-              </a:ext>
-            </a:extLst>
-          </p:cNvPr>
-          <p:cNvPicPr>
-            <a:picLocks noChangeAspect="1" noChangeArrowheads="1"/>
-          </p:cNvPicPr>
-          <p:nvPr/>
-        </p:nvPicPr>
-        <p:blipFill>
-          <a:blip r:embed="rId18">
-            <a:extLst>
-              <a:ext uri="{28A0092B-C50C-407E-A947-70E740481C1C}">
-                <a14:useLocalDpi xmlns:a14="http://schemas.microsoft.com/office/drawing/2010/main" val="0"/>
-              </a:ext>
-            </a:extLst>
-          </a:blip>
-          <a:srcRect/>
-          <a:stretch>
-            <a:fillRect/>
-          </a:stretch>
-        </p:blipFill>
-        <p:spPr bwMode="auto">
-          <a:xfrm>
-            <a:off x="4552126" y="3753515"/>
-            <a:ext cx="457200" cy="457200"/>
-          </a:xfrm>
-          <a:prstGeom prst="rect">
-            <a:avLst/>
-          </a:prstGeom>
-          <a:noFill/>
-          <a:ln>
-            <a:noFill/>
-          </a:ln>
-          <a:extLst>
-            <a:ext uri="{909E8E84-426E-40DD-AFC4-6F175D3DCCD1}">
-              <a14:hiddenFill xmlns:a14="http://schemas.microsoft.com/office/drawing/2010/main">
-                <a:solidFill>
-                  <a:srgbClr val="FFFFFF"/>
-                </a:solidFill>
-              </a14:hiddenFill>
-            </a:ext>
-            <a:ext uri="{91240B29-F687-4F45-9708-019B960494DF}">
-              <a14:hiddenLine xmlns:a14="http://schemas.microsoft.com/office/drawing/2010/main" w="9525">
-                <a:solidFill>
-                  <a:srgbClr val="000000"/>
-                </a:solidFill>
-                <a:miter lim="800000"/>
-                <a:headEnd/>
-                <a:tailEnd/>
-              </a14:hiddenLine>
-            </a:ext>
-          </a:extLst>
-        </p:spPr>
-      </p:pic>
-      <p:pic>
-        <p:nvPicPr>
-          <p:cNvPr id="40" name="Graphic 39">
-            <a:extLst>
-              <a:ext uri="{FF2B5EF4-FFF2-40B4-BE49-F238E27FC236}">
-                <a16:creationId xmlns:a16="http://schemas.microsoft.com/office/drawing/2014/main" id="{C99D481B-16EA-BD49-A586-957C7D1F14B5}"/>
+          <p:cNvPr id="35" name="Graphic 60">
+            <a:extLst>
+              <a:ext uri="{FF2B5EF4-FFF2-40B4-BE49-F238E27FC236}">
+                <a16:creationId xmlns:a16="http://schemas.microsoft.com/office/drawing/2014/main" id="{A3C1AC7C-AF13-3046-A016-16841DAF17C6}"/>
               </a:ext>
             </a:extLst>
           </p:cNvPr>
@@ -2590,10 +2665,10 @@
           <p:nvPr/>
         </p:nvPicPr>
         <p:blipFill>
-          <a:blip r:embed="rId16">
+          <a:blip r:embed="rId4">
             <a:extLst>
               <a:ext uri="{96DAC541-7B7A-43D3-8B79-37D633B846F1}">
-                <asvg:svgBlip xmlns:asvg="http://schemas.microsoft.com/office/drawing/2016/SVG/main" xmlns="" r:embed="rId17"/>
+                <asvg:svgBlip xmlns="" xmlns:asvg="http://schemas.microsoft.com/office/drawing/2016/SVG/main" r:embed="rId5"/>
               </a:ext>
             </a:extLst>
           </a:blip>
@@ -2603,44 +2678,8 @@
         </p:blipFill>
         <p:spPr>
           <a:xfrm>
-            <a:off x="6666821" y="3750047"/>
-            <a:ext cx="469900" cy="469900"/>
-          </a:xfrm>
-          <a:prstGeom prst="rect">
-            <a:avLst/>
-          </a:prstGeom>
-        </p:spPr>
-      </p:pic>
-      <p:pic>
-        <p:nvPicPr>
-          <p:cNvPr id="42" name="Graphic 41">
-            <a:extLst>
-              <a:ext uri="{FF2B5EF4-FFF2-40B4-BE49-F238E27FC236}">
-                <a16:creationId xmlns:a16="http://schemas.microsoft.com/office/drawing/2014/main" id="{85A94B6C-E370-B944-83A2-E716515BCD56}"/>
-              </a:ext>
-            </a:extLst>
-          </p:cNvPr>
-          <p:cNvPicPr>
-            <a:picLocks noChangeAspect="1"/>
-          </p:cNvPicPr>
-          <p:nvPr/>
-        </p:nvPicPr>
-        <p:blipFill>
-          <a:blip r:embed="rId16">
-            <a:extLst>
-              <a:ext uri="{96DAC541-7B7A-43D3-8B79-37D633B846F1}">
-                <asvg:svgBlip xmlns:asvg="http://schemas.microsoft.com/office/drawing/2016/SVG/main" xmlns="" r:embed="rId17"/>
-              </a:ext>
-            </a:extLst>
-          </a:blip>
-          <a:stretch>
-            <a:fillRect/>
-          </a:stretch>
-        </p:blipFill>
-        <p:spPr>
-          <a:xfrm>
-            <a:off x="2416652" y="3767082"/>
-            <a:ext cx="469900" cy="469900"/>
+            <a:off x="4628318" y="3836755"/>
+            <a:ext cx="330200" cy="330200"/>
           </a:xfrm>
           <a:prstGeom prst="rect">
             <a:avLst/>
